--- a/OSGi.pptx
+++ b/OSGi.pptx
@@ -360,7 +360,7 @@
             <a:fld id="{193E455A-45FD-40AC-BEC9-DFD1F5D783A4}" type="datetime1">
               <a:rPr lang="de-DE" smtClean="0"/>
               <a:pPr lvl="0"/>
-              <a:t>14.05.2018</a:t>
+              <a:t>15.05.2018</a:t>
             </a:fld>
             <a:endParaRPr lang="de-DE"/>
           </a:p>
@@ -573,7 +573,7 @@
             <a:fld id="{96E0E231-92F5-443F-B078-B985A05BDCF8}" type="datetime1">
               <a:rPr lang="de-DE" smtClean="0"/>
               <a:pPr lvl="0"/>
-              <a:t>14.05.2018</a:t>
+              <a:t>15.05.2018</a:t>
             </a:fld>
             <a:endParaRPr lang="de-DE"/>
           </a:p>
@@ -833,7 +833,7 @@
             <a:fld id="{30E54617-DDC1-4B3D-BA92-4E2D4B6F94CC}" type="datetime1">
               <a:rPr lang="de-DE" smtClean="0"/>
               <a:pPr lvl="0"/>
-              <a:t>14.05.2018</a:t>
+              <a:t>15.05.2018</a:t>
             </a:fld>
             <a:endParaRPr lang="de-DE"/>
           </a:p>
@@ -1011,7 +1011,7 @@
             <a:fld id="{221A9284-680E-4776-AA07-579921EF80C5}" type="datetime1">
               <a:rPr lang="de-DE" smtClean="0"/>
               <a:pPr lvl="0"/>
-              <a:t>14.05.2018</a:t>
+              <a:t>15.05.2018</a:t>
             </a:fld>
             <a:endParaRPr lang="de-DE"/>
           </a:p>
@@ -1359,7 +1359,7 @@
             <a:fld id="{E2E904C8-65B1-4F10-869D-B48DAEFCBCEA}" type="datetime1">
               <a:rPr lang="de-DE" smtClean="0"/>
               <a:pPr lvl="0"/>
-              <a:t>14.05.2018</a:t>
+              <a:t>15.05.2018</a:t>
             </a:fld>
             <a:endParaRPr lang="de-DE"/>
           </a:p>
@@ -1638,7 +1638,7 @@
             <a:fld id="{E17D8783-8FB0-4D52-85C6-E896F44EABD6}" type="datetime1">
               <a:rPr lang="de-DE" smtClean="0"/>
               <a:pPr lvl="0"/>
-              <a:t>14.05.2018</a:t>
+              <a:t>15.05.2018</a:t>
             </a:fld>
             <a:endParaRPr lang="de-DE"/>
           </a:p>
@@ -2021,7 +2021,7 @@
             <a:fld id="{6708262C-D1D9-4260-B51E-BE26991540D5}" type="datetime1">
               <a:rPr lang="de-DE" smtClean="0"/>
               <a:pPr lvl="0"/>
-              <a:t>14.05.2018</a:t>
+              <a:t>15.05.2018</a:t>
             </a:fld>
             <a:endParaRPr lang="de-DE"/>
           </a:p>
@@ -2143,7 +2143,7 @@
             <a:fld id="{EEA84464-0948-4BC9-8411-07A12526FBB0}" type="datetime1">
               <a:rPr lang="de-DE" smtClean="0"/>
               <a:pPr lvl="0"/>
-              <a:t>14.05.2018</a:t>
+              <a:t>15.05.2018</a:t>
             </a:fld>
             <a:endParaRPr lang="de-DE"/>
           </a:p>
@@ -2318,7 +2318,7 @@
             <a:fld id="{B4D342EB-7E1B-473C-B0A4-60044470EAA6}" type="datetime1">
               <a:rPr lang="de-DE" smtClean="0"/>
               <a:pPr lvl="0"/>
-              <a:t>14.05.2018</a:t>
+              <a:t>15.05.2018</a:t>
             </a:fld>
             <a:endParaRPr lang="de-DE"/>
           </a:p>
@@ -2676,7 +2676,7 @@
             <a:fld id="{B1A29F15-BC94-4550-859F-A39BA8F7C6B9}" type="datetime1">
               <a:rPr lang="de-DE" smtClean="0"/>
               <a:pPr lvl="0"/>
-              <a:t>14.05.2018</a:t>
+              <a:t>15.05.2018</a:t>
             </a:fld>
             <a:endParaRPr lang="de-DE"/>
           </a:p>
@@ -3062,7 +3062,7 @@
             <a:fld id="{E2F9F189-E18C-448E-91E5-FEE1715A53D0}" type="datetime1">
               <a:rPr lang="de-DE" smtClean="0"/>
               <a:pPr lvl="0"/>
-              <a:t>14.05.2018</a:t>
+              <a:t>15.05.2018</a:t>
             </a:fld>
             <a:endParaRPr lang="de-DE"/>
           </a:p>
@@ -3353,7 +3353,7 @@
             <a:fld id="{E2E904C8-65B1-4F10-869D-B48DAEFCBCEA}" type="datetime1">
               <a:rPr lang="de-DE" smtClean="0"/>
               <a:pPr lvl="0"/>
-              <a:t>14.05.2018</a:t>
+              <a:t>15.05.2018</a:t>
             </a:fld>
             <a:endParaRPr lang="de-DE"/>
           </a:p>
@@ -6541,7 +6541,10 @@
               <a:buFont typeface="Arial" panose="020B0604020202020204" pitchFamily="34" charset="0"/>
               <a:buChar char="•"/>
             </a:pPr>
-            <a:endParaRPr lang="de-DE" dirty="0"/>
+            <a:r>
+              <a:rPr lang="de-DE" dirty="0"/>
+              <a:t>Bundles and Services</a:t>
+            </a:r>
           </a:p>
           <a:p>
             <a:pPr>

--- a/OSGi.pptx
+++ b/OSGi.pptx
@@ -21,11 +21,12 @@
     <p:sldId id="270" r:id="rId15"/>
     <p:sldId id="263" r:id="rId16"/>
     <p:sldId id="264" r:id="rId17"/>
-    <p:sldId id="275" r:id="rId18"/>
-    <p:sldId id="276" r:id="rId19"/>
-    <p:sldId id="277" r:id="rId20"/>
-    <p:sldId id="278" r:id="rId21"/>
-    <p:sldId id="279" r:id="rId22"/>
+    <p:sldId id="280" r:id="rId18"/>
+    <p:sldId id="275" r:id="rId19"/>
+    <p:sldId id="276" r:id="rId20"/>
+    <p:sldId id="277" r:id="rId21"/>
+    <p:sldId id="278" r:id="rId22"/>
+    <p:sldId id="279" r:id="rId23"/>
   </p:sldIdLst>
   <p:sldSz cx="12192000" cy="6858000"/>
   <p:notesSz cx="6858000" cy="9144000"/>
@@ -5199,6 +5200,105 @@
       </p:grpSpPr>
       <p:sp>
         <p:nvSpPr>
+          <p:cNvPr id="3" name="Titel 2">
+            <a:extLst>
+              <a:ext uri="{FF2B5EF4-FFF2-40B4-BE49-F238E27FC236}">
+                <a16:creationId xmlns:a16="http://schemas.microsoft.com/office/drawing/2014/main" id="{3B4C9D64-1F70-4601-9EDF-65426A48041E}"/>
+              </a:ext>
+            </a:extLst>
+          </p:cNvPr>
+          <p:cNvSpPr>
+            <a:spLocks noGrp="1"/>
+          </p:cNvSpPr>
+          <p:nvPr>
+            <p:ph type="ctrTitle"/>
+          </p:nvPr>
+        </p:nvSpPr>
+        <p:spPr/>
+        <p:txBody>
+          <a:bodyPr/>
+          <a:lstStyle/>
+          <a:p>
+            <a:r>
+              <a:rPr lang="de-DE" dirty="0">
+                <a:solidFill>
+                  <a:schemeClr val="accent1"/>
+                </a:solidFill>
+              </a:rPr>
+              <a:t>The Cool Converter</a:t>
+            </a:r>
+          </a:p>
+        </p:txBody>
+      </p:sp>
+      <p:sp>
+        <p:nvSpPr>
+          <p:cNvPr id="4" name="Untertitel 3">
+            <a:extLst>
+              <a:ext uri="{FF2B5EF4-FFF2-40B4-BE49-F238E27FC236}">
+                <a16:creationId xmlns:a16="http://schemas.microsoft.com/office/drawing/2014/main" id="{526221BB-4BB0-413B-8C21-2059847EB5C5}"/>
+              </a:ext>
+            </a:extLst>
+          </p:cNvPr>
+          <p:cNvSpPr>
+            <a:spLocks noGrp="1"/>
+          </p:cNvSpPr>
+          <p:nvPr>
+            <p:ph type="subTitle" idx="1"/>
+          </p:nvPr>
+        </p:nvSpPr>
+        <p:spPr/>
+        <p:txBody>
+          <a:bodyPr/>
+          <a:lstStyle/>
+          <a:p>
+            <a:r>
+              <a:rPr lang="de-DE" dirty="0" err="1">
+                <a:solidFill>
+                  <a:schemeClr val="accent1"/>
+                </a:solidFill>
+              </a:rPr>
+              <a:t>Exercise</a:t>
+            </a:r>
+            <a:endParaRPr lang="de-DE" dirty="0">
+              <a:solidFill>
+                <a:schemeClr val="accent1"/>
+              </a:solidFill>
+            </a:endParaRPr>
+          </a:p>
+        </p:txBody>
+      </p:sp>
+    </p:spTree>
+    <p:extLst>
+      <p:ext uri="{BB962C8B-B14F-4D97-AF65-F5344CB8AC3E}">
+        <p14:creationId xmlns:p14="http://schemas.microsoft.com/office/powerpoint/2010/main" val="578567026"/>
+      </p:ext>
+    </p:extLst>
+  </p:cSld>
+  <p:clrMapOvr>
+    <a:masterClrMapping/>
+  </p:clrMapOvr>
+</p:sld>
+</file>
+
+<file path=ppt/slides/slide18.xml><?xml version="1.0" encoding="utf-8"?>
+<p:sld xmlns:a="http://schemas.openxmlformats.org/drawingml/2006/main" xmlns:r="http://schemas.openxmlformats.org/officeDocument/2006/relationships" xmlns:p="http://schemas.openxmlformats.org/presentationml/2006/main">
+  <p:cSld>
+    <p:spTree>
+      <p:nvGrpSpPr>
+        <p:cNvPr id="1" name=""/>
+        <p:cNvGrpSpPr/>
+        <p:nvPr/>
+      </p:nvGrpSpPr>
+      <p:grpSpPr>
+        <a:xfrm>
+          <a:off x="0" y="0"/>
+          <a:ext cx="0" cy="0"/>
+          <a:chOff x="0" y="0"/>
+          <a:chExt cx="0" cy="0"/>
+        </a:xfrm>
+      </p:grpSpPr>
+      <p:sp>
+        <p:nvSpPr>
           <p:cNvPr id="2" name="Titel 1">
             <a:extLst>
               <a:ext uri="{FF2B5EF4-FFF2-40B4-BE49-F238E27FC236}">
@@ -5336,7 +5436,7 @@
 </p:sld>
 </file>
 
-<file path=ppt/slides/slide18.xml><?xml version="1.0" encoding="utf-8"?>
+<file path=ppt/slides/slide19.xml><?xml version="1.0" encoding="utf-8"?>
 <p:sld xmlns:a="http://schemas.openxmlformats.org/drawingml/2006/main" xmlns:r="http://schemas.openxmlformats.org/officeDocument/2006/relationships" xmlns:p="http://schemas.openxmlformats.org/presentationml/2006/main">
   <p:cSld>
     <p:spTree>
@@ -5402,7 +5502,194 @@
 </p:sld>
 </file>
 
-<file path=ppt/slides/slide19.xml><?xml version="1.0" encoding="utf-8"?>
+<file path=ppt/slides/slide2.xml><?xml version="1.0" encoding="utf-8"?>
+<p:sld xmlns:a="http://schemas.openxmlformats.org/drawingml/2006/main" xmlns:r="http://schemas.openxmlformats.org/officeDocument/2006/relationships" xmlns:p="http://schemas.openxmlformats.org/presentationml/2006/main">
+  <p:cSld name="Slide2">
+    <p:spTree>
+      <p:nvGrpSpPr>
+        <p:cNvPr id="1" name=""/>
+        <p:cNvGrpSpPr/>
+        <p:nvPr/>
+      </p:nvGrpSpPr>
+      <p:grpSpPr>
+        <a:xfrm>
+          <a:off x="0" y="0"/>
+          <a:ext cx="0" cy="0"/>
+          <a:chOff x="0" y="0"/>
+          <a:chExt cx="0" cy="0"/>
+        </a:xfrm>
+      </p:grpSpPr>
+      <p:sp>
+        <p:nvSpPr>
+          <p:cNvPr id="2" name="Titel 1">
+            <a:extLst>
+              <a:ext uri="{FF2B5EF4-FFF2-40B4-BE49-F238E27FC236}">
+                <a16:creationId xmlns:a16="http://schemas.microsoft.com/office/drawing/2014/main" id="{C4EA44FD-7CCB-4EF3-A288-4CE85CE4826B}"/>
+              </a:ext>
+            </a:extLst>
+          </p:cNvPr>
+          <p:cNvSpPr txBox="1">
+            <a:spLocks noGrp="1"/>
+          </p:cNvSpPr>
+          <p:nvPr>
+            <p:ph type="title"/>
+          </p:nvPr>
+        </p:nvSpPr>
+        <p:spPr/>
+        <p:txBody>
+          <a:bodyPr/>
+          <a:lstStyle/>
+          <a:p>
+            <a:pPr lvl="0"/>
+            <a:r>
+              <a:rPr lang="de-DE" dirty="0">
+                <a:solidFill>
+                  <a:schemeClr val="accent2"/>
+                </a:solidFill>
+              </a:rPr>
+              <a:t>Outline</a:t>
+            </a:r>
+          </a:p>
+        </p:txBody>
+      </p:sp>
+      <p:sp>
+        <p:nvSpPr>
+          <p:cNvPr id="3" name="Inhaltsplatzhalter 2">
+            <a:extLst>
+              <a:ext uri="{FF2B5EF4-FFF2-40B4-BE49-F238E27FC236}">
+                <a16:creationId xmlns:a16="http://schemas.microsoft.com/office/drawing/2014/main" id="{7FDAFECD-BA17-41E7-A5B0-0D8574886FBA}"/>
+              </a:ext>
+            </a:extLst>
+          </p:cNvPr>
+          <p:cNvSpPr txBox="1">
+            <a:spLocks noGrp="1"/>
+          </p:cNvSpPr>
+          <p:nvPr>
+            <p:ph idx="1"/>
+          </p:nvPr>
+        </p:nvSpPr>
+        <p:spPr/>
+        <p:txBody>
+          <a:bodyPr/>
+          <a:lstStyle/>
+          <a:p>
+            <a:pPr lvl="0"/>
+            <a:endParaRPr lang="de-DE" dirty="0"/>
+          </a:p>
+          <a:p>
+            <a:pPr>
+              <a:buFont typeface="Arial" panose="020B0604020202020204" pitchFamily="34" charset="0"/>
+              <a:buChar char="•"/>
+            </a:pPr>
+            <a:r>
+              <a:rPr lang="de-DE" dirty="0"/>
+              <a:t> </a:t>
+            </a:r>
+            <a:r>
+              <a:rPr lang="de-DE" dirty="0" err="1"/>
+              <a:t>What</a:t>
+            </a:r>
+            <a:r>
+              <a:rPr lang="de-DE" dirty="0"/>
+              <a:t> </a:t>
+            </a:r>
+            <a:r>
+              <a:rPr lang="de-DE" dirty="0" err="1"/>
+              <a:t>is</a:t>
+            </a:r>
+            <a:r>
+              <a:rPr lang="de-DE" dirty="0"/>
+              <a:t> </a:t>
+            </a:r>
+            <a:r>
+              <a:rPr lang="de-DE" dirty="0" err="1"/>
+              <a:t>OSGi</a:t>
+            </a:r>
+            <a:r>
+              <a:rPr lang="de-DE" dirty="0"/>
+              <a:t>?</a:t>
+            </a:r>
+          </a:p>
+          <a:p>
+            <a:pPr>
+              <a:buFont typeface="Arial" panose="020B0604020202020204" pitchFamily="34" charset="0"/>
+              <a:buChar char="•"/>
+            </a:pPr>
+            <a:r>
+              <a:rPr lang="de-DE" dirty="0"/>
+              <a:t> </a:t>
+            </a:r>
+            <a:r>
+              <a:rPr lang="de-DE" dirty="0" err="1"/>
+              <a:t>Why</a:t>
+            </a:r>
+            <a:r>
+              <a:rPr lang="de-DE" dirty="0"/>
+              <a:t> </a:t>
+            </a:r>
+            <a:r>
+              <a:rPr lang="de-DE" dirty="0" err="1"/>
+              <a:t>OSGi</a:t>
+            </a:r>
+            <a:r>
+              <a:rPr lang="de-DE" dirty="0"/>
+              <a:t>?</a:t>
+            </a:r>
+          </a:p>
+          <a:p>
+            <a:pPr>
+              <a:buFont typeface="Arial" panose="020B0604020202020204" pitchFamily="34" charset="0"/>
+              <a:buChar char="•"/>
+            </a:pPr>
+            <a:r>
+              <a:rPr lang="de-DE" dirty="0"/>
+              <a:t> </a:t>
+            </a:r>
+            <a:r>
+              <a:rPr lang="de-DE" dirty="0" err="1"/>
+              <a:t>OSGi</a:t>
+            </a:r>
+            <a:r>
+              <a:rPr lang="de-DE" dirty="0"/>
+              <a:t> Architecture</a:t>
+            </a:r>
+          </a:p>
+          <a:p>
+            <a:pPr>
+              <a:buFont typeface="Arial" panose="020B0604020202020204" pitchFamily="34" charset="0"/>
+              <a:buChar char="•"/>
+            </a:pPr>
+            <a:r>
+              <a:rPr lang="de-DE" dirty="0"/>
+              <a:t> Bundles and Services</a:t>
+            </a:r>
+          </a:p>
+          <a:p>
+            <a:pPr>
+              <a:buFont typeface="Arial" panose="020B0604020202020204" pitchFamily="34" charset="0"/>
+              <a:buChar char="•"/>
+            </a:pPr>
+            <a:r>
+              <a:rPr lang="de-DE" dirty="0"/>
+              <a:t> </a:t>
+            </a:r>
+            <a:r>
+              <a:rPr lang="de-DE" dirty="0" err="1"/>
+              <a:t>Exercise</a:t>
+            </a:r>
+            <a:endParaRPr lang="de-DE" dirty="0"/>
+          </a:p>
+        </p:txBody>
+      </p:sp>
+    </p:spTree>
+  </p:cSld>
+  <p:clrMapOvr>
+    <a:masterClrMapping/>
+  </p:clrMapOvr>
+</p:sld>
+</file>
+
+<file path=ppt/slides/slide20.xml><?xml version="1.0" encoding="utf-8"?>
 <p:sld xmlns:a="http://schemas.openxmlformats.org/drawingml/2006/main" xmlns:r="http://schemas.openxmlformats.org/officeDocument/2006/relationships" xmlns:p="http://schemas.openxmlformats.org/presentationml/2006/main">
   <p:cSld>
     <p:spTree>
@@ -5468,194 +5755,7 @@
 </p:sld>
 </file>
 
-<file path=ppt/slides/slide2.xml><?xml version="1.0" encoding="utf-8"?>
-<p:sld xmlns:a="http://schemas.openxmlformats.org/drawingml/2006/main" xmlns:r="http://schemas.openxmlformats.org/officeDocument/2006/relationships" xmlns:p="http://schemas.openxmlformats.org/presentationml/2006/main">
-  <p:cSld name="Slide2">
-    <p:spTree>
-      <p:nvGrpSpPr>
-        <p:cNvPr id="1" name=""/>
-        <p:cNvGrpSpPr/>
-        <p:nvPr/>
-      </p:nvGrpSpPr>
-      <p:grpSpPr>
-        <a:xfrm>
-          <a:off x="0" y="0"/>
-          <a:ext cx="0" cy="0"/>
-          <a:chOff x="0" y="0"/>
-          <a:chExt cx="0" cy="0"/>
-        </a:xfrm>
-      </p:grpSpPr>
-      <p:sp>
-        <p:nvSpPr>
-          <p:cNvPr id="2" name="Titel 1">
-            <a:extLst>
-              <a:ext uri="{FF2B5EF4-FFF2-40B4-BE49-F238E27FC236}">
-                <a16:creationId xmlns:a16="http://schemas.microsoft.com/office/drawing/2014/main" id="{C4EA44FD-7CCB-4EF3-A288-4CE85CE4826B}"/>
-              </a:ext>
-            </a:extLst>
-          </p:cNvPr>
-          <p:cNvSpPr txBox="1">
-            <a:spLocks noGrp="1"/>
-          </p:cNvSpPr>
-          <p:nvPr>
-            <p:ph type="title"/>
-          </p:nvPr>
-        </p:nvSpPr>
-        <p:spPr/>
-        <p:txBody>
-          <a:bodyPr/>
-          <a:lstStyle/>
-          <a:p>
-            <a:pPr lvl="0"/>
-            <a:r>
-              <a:rPr lang="de-DE" dirty="0">
-                <a:solidFill>
-                  <a:schemeClr val="accent2"/>
-                </a:solidFill>
-              </a:rPr>
-              <a:t>Outline</a:t>
-            </a:r>
-          </a:p>
-        </p:txBody>
-      </p:sp>
-      <p:sp>
-        <p:nvSpPr>
-          <p:cNvPr id="3" name="Inhaltsplatzhalter 2">
-            <a:extLst>
-              <a:ext uri="{FF2B5EF4-FFF2-40B4-BE49-F238E27FC236}">
-                <a16:creationId xmlns:a16="http://schemas.microsoft.com/office/drawing/2014/main" id="{7FDAFECD-BA17-41E7-A5B0-0D8574886FBA}"/>
-              </a:ext>
-            </a:extLst>
-          </p:cNvPr>
-          <p:cNvSpPr txBox="1">
-            <a:spLocks noGrp="1"/>
-          </p:cNvSpPr>
-          <p:nvPr>
-            <p:ph idx="1"/>
-          </p:nvPr>
-        </p:nvSpPr>
-        <p:spPr/>
-        <p:txBody>
-          <a:bodyPr/>
-          <a:lstStyle/>
-          <a:p>
-            <a:pPr lvl="0"/>
-            <a:endParaRPr lang="de-DE" dirty="0"/>
-          </a:p>
-          <a:p>
-            <a:pPr>
-              <a:buFont typeface="Arial" panose="020B0604020202020204" pitchFamily="34" charset="0"/>
-              <a:buChar char="•"/>
-            </a:pPr>
-            <a:r>
-              <a:rPr lang="de-DE" dirty="0"/>
-              <a:t> </a:t>
-            </a:r>
-            <a:r>
-              <a:rPr lang="de-DE" dirty="0" err="1"/>
-              <a:t>What</a:t>
-            </a:r>
-            <a:r>
-              <a:rPr lang="de-DE" dirty="0"/>
-              <a:t> </a:t>
-            </a:r>
-            <a:r>
-              <a:rPr lang="de-DE" dirty="0" err="1"/>
-              <a:t>is</a:t>
-            </a:r>
-            <a:r>
-              <a:rPr lang="de-DE" dirty="0"/>
-              <a:t> </a:t>
-            </a:r>
-            <a:r>
-              <a:rPr lang="de-DE" dirty="0" err="1"/>
-              <a:t>OSGi</a:t>
-            </a:r>
-            <a:r>
-              <a:rPr lang="de-DE" dirty="0"/>
-              <a:t>?</a:t>
-            </a:r>
-          </a:p>
-          <a:p>
-            <a:pPr>
-              <a:buFont typeface="Arial" panose="020B0604020202020204" pitchFamily="34" charset="0"/>
-              <a:buChar char="•"/>
-            </a:pPr>
-            <a:r>
-              <a:rPr lang="de-DE" dirty="0"/>
-              <a:t> </a:t>
-            </a:r>
-            <a:r>
-              <a:rPr lang="de-DE" dirty="0" err="1"/>
-              <a:t>Why</a:t>
-            </a:r>
-            <a:r>
-              <a:rPr lang="de-DE" dirty="0"/>
-              <a:t> </a:t>
-            </a:r>
-            <a:r>
-              <a:rPr lang="de-DE" dirty="0" err="1"/>
-              <a:t>OSGi</a:t>
-            </a:r>
-            <a:r>
-              <a:rPr lang="de-DE" dirty="0"/>
-              <a:t>?</a:t>
-            </a:r>
-          </a:p>
-          <a:p>
-            <a:pPr>
-              <a:buFont typeface="Arial" panose="020B0604020202020204" pitchFamily="34" charset="0"/>
-              <a:buChar char="•"/>
-            </a:pPr>
-            <a:r>
-              <a:rPr lang="de-DE" dirty="0"/>
-              <a:t> </a:t>
-            </a:r>
-            <a:r>
-              <a:rPr lang="de-DE" dirty="0" err="1"/>
-              <a:t>OSGi</a:t>
-            </a:r>
-            <a:r>
-              <a:rPr lang="de-DE" dirty="0"/>
-              <a:t> Architecture</a:t>
-            </a:r>
-          </a:p>
-          <a:p>
-            <a:pPr>
-              <a:buFont typeface="Arial" panose="020B0604020202020204" pitchFamily="34" charset="0"/>
-              <a:buChar char="•"/>
-            </a:pPr>
-            <a:r>
-              <a:rPr lang="de-DE" dirty="0"/>
-              <a:t> Bundles and Services</a:t>
-            </a:r>
-          </a:p>
-          <a:p>
-            <a:pPr>
-              <a:buFont typeface="Arial" panose="020B0604020202020204" pitchFamily="34" charset="0"/>
-              <a:buChar char="•"/>
-            </a:pPr>
-            <a:r>
-              <a:rPr lang="de-DE" dirty="0"/>
-              <a:t> </a:t>
-            </a:r>
-            <a:r>
-              <a:rPr lang="de-DE" dirty="0" err="1"/>
-              <a:t>Exercise</a:t>
-            </a:r>
-            <a:endParaRPr lang="de-DE" dirty="0"/>
-          </a:p>
-        </p:txBody>
-      </p:sp>
-    </p:spTree>
-  </p:cSld>
-  <p:clrMapOvr>
-    <a:masterClrMapping/>
-  </p:clrMapOvr>
-</p:sld>
-</file>
-
-<file path=ppt/slides/slide20.xml><?xml version="1.0" encoding="utf-8"?>
+<file path=ppt/slides/slide21.xml><?xml version="1.0" encoding="utf-8"?>
 <p:sld xmlns:a="http://schemas.openxmlformats.org/drawingml/2006/main" xmlns:r="http://schemas.openxmlformats.org/officeDocument/2006/relationships" xmlns:p="http://schemas.openxmlformats.org/presentationml/2006/main">
   <p:cSld>
     <p:spTree>
@@ -5813,7 +5913,7 @@
 </p:sld>
 </file>
 
-<file path=ppt/slides/slide21.xml><?xml version="1.0" encoding="utf-8"?>
+<file path=ppt/slides/slide22.xml><?xml version="1.0" encoding="utf-8"?>
 <p:sld xmlns:a="http://schemas.openxmlformats.org/drawingml/2006/main" xmlns:r="http://schemas.openxmlformats.org/officeDocument/2006/relationships" xmlns:p="http://schemas.openxmlformats.org/presentationml/2006/main">
   <p:cSld>
     <p:spTree>
